--- a/Documentation/Vorlage_Vor+Abspann.pptx
+++ b/Documentation/Vorlage_Vor+Abspann.pptx
@@ -6,7 +6,8 @@
   </p:sldMasterIdLst>
   <p:sldIdLst>
     <p:sldId id="259" r:id="rId2"/>
-    <p:sldId id="260" r:id="rId3"/>
+    <p:sldId id="269" r:id="rId3"/>
+    <p:sldId id="260" r:id="rId4"/>
   </p:sldIdLst>
   <p:sldSz cx="5854700" cy="3295650"/>
   <p:notesSz cx="5854700" cy="3295650"/>
@@ -1759,6 +1760,243 @@
 </p:sldLayout>
 </file>
 
+<file path=ppt/slideLayouts/slideLayout3.xml><?xml version="1.0" encoding="utf-8"?>
+<p:sldLayout xmlns:a="http://schemas.openxmlformats.org/drawingml/2006/main" xmlns:r="http://schemas.openxmlformats.org/officeDocument/2006/relationships" xmlns:p="http://schemas.openxmlformats.org/presentationml/2006/main" userDrawn="1">
+  <p:cSld name="Text/Bild">
+    <p:spTree>
+      <p:nvGrpSpPr>
+        <p:cNvPr id="1" name=""/>
+        <p:cNvGrpSpPr/>
+        <p:nvPr/>
+      </p:nvGrpSpPr>
+      <p:grpSpPr>
+        <a:xfrm>
+          <a:off x="0" y="0"/>
+          <a:ext cx="0" cy="0"/>
+          <a:chOff x="0" y="0"/>
+          <a:chExt cx="0" cy="0"/>
+        </a:xfrm>
+      </p:grpSpPr>
+      <p:sp>
+        <p:nvSpPr>
+          <p:cNvPr id="3" name="Inhaltsplatzhalter 2"/>
+          <p:cNvSpPr>
+            <a:spLocks noGrp="1"/>
+          </p:cNvSpPr>
+          <p:nvPr>
+            <p:ph sz="half" idx="1"/>
+          </p:nvPr>
+        </p:nvSpPr>
+        <p:spPr>
+          <a:xfrm>
+            <a:off x="219266" y="640100"/>
+            <a:ext cx="5394851" cy="2300900"/>
+          </a:xfrm>
+          <a:prstGeom prst="rect">
+            <a:avLst/>
+          </a:prstGeom>
+        </p:spPr>
+        <p:txBody>
+          <a:bodyPr lIns="0" rIns="0"/>
+          <a:lstStyle>
+            <a:lvl1pPr marL="130194" indent="-130194">
+              <a:buClr>
+                <a:srgbClr val="FAA500"/>
+              </a:buClr>
+              <a:buSzPct val="80000"/>
+              <a:buFont typeface="MS PGothic" panose="020B0600070205080204" pitchFamily="34" charset="-128"/>
+              <a:buChar char="▶"/>
+              <a:defRPr sz="1055">
+                <a:latin typeface="Lucida Sans"/>
+                <a:cs typeface="Lucida Sans"/>
+              </a:defRPr>
+            </a:lvl1pPr>
+            <a:lvl2pPr marL="356319" indent="-137046">
+              <a:buClr>
+                <a:srgbClr val="FAA500"/>
+              </a:buClr>
+              <a:buSzPct val="80000"/>
+              <a:buFont typeface="MS PGothic" panose="020B0600070205080204" pitchFamily="34" charset="-128"/>
+              <a:buChar char="▶"/>
+              <a:defRPr sz="1055">
+                <a:latin typeface="Lucida Sans"/>
+                <a:cs typeface="Lucida Sans"/>
+              </a:defRPr>
+            </a:lvl2pPr>
+            <a:lvl3pPr marL="548183" indent="-109637">
+              <a:buClr>
+                <a:srgbClr val="FAA500"/>
+              </a:buClr>
+              <a:buSzPct val="80000"/>
+              <a:buFont typeface="MS PGothic" panose="020B0600070205080204" pitchFamily="34" charset="-128"/>
+              <a:buChar char="▶"/>
+              <a:defRPr sz="1055">
+                <a:latin typeface="Lucida Sans"/>
+                <a:cs typeface="Lucida Sans"/>
+              </a:defRPr>
+            </a:lvl3pPr>
+            <a:lvl4pPr marL="767456" indent="-109637">
+              <a:buClr>
+                <a:srgbClr val="FAA500"/>
+              </a:buClr>
+              <a:buSzPct val="80000"/>
+              <a:buFont typeface="MS PGothic" panose="020B0600070205080204" pitchFamily="34" charset="-128"/>
+              <a:buChar char="▶"/>
+              <a:defRPr sz="1055">
+                <a:latin typeface="Lucida Sans"/>
+                <a:cs typeface="Lucida Sans"/>
+              </a:defRPr>
+            </a:lvl4pPr>
+            <a:lvl5pPr marL="986729" indent="-109637">
+              <a:buClr>
+                <a:srgbClr val="FAA500"/>
+              </a:buClr>
+              <a:buSzPct val="80000"/>
+              <a:buFont typeface="MS PGothic" panose="020B0600070205080204" pitchFamily="34" charset="-128"/>
+              <a:buChar char="▶"/>
+              <a:defRPr sz="1055">
+                <a:latin typeface="Lucida Sans"/>
+                <a:cs typeface="Lucida Sans"/>
+              </a:defRPr>
+            </a:lvl5pPr>
+            <a:lvl6pPr>
+              <a:defRPr sz="863"/>
+            </a:lvl6pPr>
+            <a:lvl7pPr>
+              <a:defRPr sz="863"/>
+            </a:lvl7pPr>
+            <a:lvl8pPr>
+              <a:defRPr sz="863"/>
+            </a:lvl8pPr>
+            <a:lvl9pPr>
+              <a:defRPr sz="863"/>
+            </a:lvl9pPr>
+          </a:lstStyle>
+          <a:p>
+            <a:pPr lvl="0"/>
+            <a:r>
+              <a:rPr lang="fr-FR"/>
+              <a:t>Modifier les styles du texte du masque</a:t>
+            </a:r>
+          </a:p>
+          <a:p>
+            <a:pPr lvl="1"/>
+            <a:r>
+              <a:rPr lang="fr-FR"/>
+              <a:t>Deuxième niveau</a:t>
+            </a:r>
+          </a:p>
+          <a:p>
+            <a:pPr lvl="2"/>
+            <a:r>
+              <a:rPr lang="fr-FR"/>
+              <a:t>Troisième niveau</a:t>
+            </a:r>
+          </a:p>
+          <a:p>
+            <a:pPr lvl="3"/>
+            <a:r>
+              <a:rPr lang="fr-FR"/>
+              <a:t>Quatrième niveau</a:t>
+            </a:r>
+          </a:p>
+          <a:p>
+            <a:pPr lvl="4"/>
+            <a:r>
+              <a:rPr lang="fr-FR"/>
+              <a:t>Cinquième niveau</a:t>
+            </a:r>
+            <a:endParaRPr lang="de-DE" dirty="0"/>
+          </a:p>
+        </p:txBody>
+      </p:sp>
+      <p:sp>
+        <p:nvSpPr>
+          <p:cNvPr id="8" name="Titel 1"/>
+          <p:cNvSpPr>
+            <a:spLocks noGrp="1"/>
+          </p:cNvSpPr>
+          <p:nvPr>
+            <p:ph type="ctrTitle"/>
+          </p:nvPr>
+        </p:nvSpPr>
+        <p:spPr>
+          <a:xfrm>
+            <a:off x="219266" y="173000"/>
+            <a:ext cx="5394851" cy="259500"/>
+          </a:xfrm>
+          <a:prstGeom prst="rect">
+            <a:avLst/>
+          </a:prstGeom>
+        </p:spPr>
+        <p:txBody>
+          <a:bodyPr lIns="0" rIns="0"/>
+          <a:lstStyle>
+            <a:lvl1pPr algn="l">
+              <a:defRPr sz="1439" b="0" i="0">
+                <a:solidFill>
+                  <a:srgbClr val="697D91"/>
+                </a:solidFill>
+                <a:latin typeface="Lucida Sans"/>
+                <a:cs typeface="Lucida Sans"/>
+              </a:defRPr>
+            </a:lvl1pPr>
+          </a:lstStyle>
+          <a:p>
+            <a:r>
+              <a:rPr lang="fr-FR"/>
+              <a:t>Modifiez le style du titre</a:t>
+            </a:r>
+            <a:endParaRPr lang="de-DE" dirty="0"/>
+          </a:p>
+        </p:txBody>
+      </p:sp>
+      <p:sp>
+        <p:nvSpPr>
+          <p:cNvPr id="4" name="Foliennummernplatzhalter 2"/>
+          <p:cNvSpPr>
+            <a:spLocks noGrp="1"/>
+          </p:cNvSpPr>
+          <p:nvPr>
+            <p:ph type="sldNum" sz="quarter" idx="10"/>
+          </p:nvPr>
+        </p:nvSpPr>
+        <p:spPr/>
+        <p:txBody>
+          <a:bodyPr/>
+          <a:lstStyle>
+            <a:lvl1pPr>
+              <a:defRPr/>
+            </a:lvl1pPr>
+          </a:lstStyle>
+          <a:p>
+            <a:pPr>
+              <a:defRPr/>
+            </a:pPr>
+            <a:fld id="{9F0A35F2-7595-4779-9180-596D2E72BBB9}" type="slidenum">
+              <a:rPr lang="de-CH"/>
+              <a:pPr>
+                <a:defRPr/>
+              </a:pPr>
+              <a:t>‹N°›</a:t>
+            </a:fld>
+            <a:endParaRPr lang="de-CH" dirty="0"/>
+          </a:p>
+        </p:txBody>
+      </p:sp>
+    </p:spTree>
+    <p:extLst>
+      <p:ext uri="{BB962C8B-B14F-4D97-AF65-F5344CB8AC3E}">
+        <p14:creationId xmlns:p14="http://schemas.microsoft.com/office/powerpoint/2010/main" val="151609866"/>
+      </p:ext>
+    </p:extLst>
+  </p:cSld>
+  <p:clrMapOvr>
+    <a:masterClrMapping/>
+  </p:clrMapOvr>
+</p:sldLayout>
+</file>
+
 <file path=ppt/slideMasters/slideMaster1.xml><?xml version="1.0" encoding="utf-8"?>
 <p:sldMaster xmlns:a="http://schemas.openxmlformats.org/drawingml/2006/main" xmlns:r="http://schemas.openxmlformats.org/officeDocument/2006/relationships" xmlns:p="http://schemas.openxmlformats.org/presentationml/2006/main">
   <p:cSld>
@@ -1790,6 +2028,7 @@
   <p:sldLayoutIdLst>
     <p:sldLayoutId id="2147483665" r:id="rId1"/>
     <p:sldLayoutId id="2147483666" r:id="rId2"/>
+    <p:sldLayoutId id="2147483667" r:id="rId3"/>
   </p:sldLayoutIdLst>
   <p:txStyles>
     <p:titleStyle>
@@ -2079,6 +2318,44 @@
           </a:p>
         </p:txBody>
       </p:sp>
+      <p:pic>
+        <p:nvPicPr>
+          <p:cNvPr id="5" name="bensound-jazzyfrenchy">
+            <a:hlinkClick r:id="" action="ppaction://media"/>
+            <a:extLst>
+              <a:ext uri="{FF2B5EF4-FFF2-40B4-BE49-F238E27FC236}">
+                <a16:creationId xmlns:a16="http://schemas.microsoft.com/office/drawing/2014/main" id="{1676E276-DED1-4A13-8E39-8AF99B26FB2B}"/>
+              </a:ext>
+            </a:extLst>
+          </p:cNvPr>
+          <p:cNvPicPr>
+            <a:picLocks noChangeAspect="1"/>
+          </p:cNvPicPr>
+          <p:nvPr>
+            <a:audioFile r:link="rId2"/>
+            <p:extLst>
+              <p:ext uri="{DAA4B4D4-6D71-4841-9C94-3DE7FCFB9230}">
+                <p14:media xmlns:p14="http://schemas.microsoft.com/office/powerpoint/2010/main" r:embed="rId1"/>
+              </p:ext>
+            </p:extLst>
+          </p:nvPr>
+        </p:nvPicPr>
+        <p:blipFill>
+          <a:blip r:embed="rId4"/>
+          <a:stretch>
+            <a:fillRect/>
+          </a:stretch>
+        </p:blipFill>
+        <p:spPr>
+          <a:xfrm>
+            <a:off x="2622550" y="1343025"/>
+            <a:ext cx="609600" cy="609600"/>
+          </a:xfrm>
+          <a:prstGeom prst="rect">
+            <a:avLst/>
+          </a:prstGeom>
+        </p:spPr>
+      </p:pic>
     </p:spTree>
     <p:extLst>
       <p:ext uri="{BB962C8B-B14F-4D97-AF65-F5344CB8AC3E}">
@@ -2089,10 +2366,138 @@
   <p:clrMapOvr>
     <a:masterClrMapping/>
   </p:clrMapOvr>
+  <p:timing>
+    <p:tnLst>
+      <p:par>
+        <p:cTn id="1" dur="indefinite" restart="never" nodeType="tmRoot">
+          <p:childTnLst>
+            <p:seq concurrent="1" nextAc="seek">
+              <p:cTn id="2" dur="indefinite" nodeType="mainSeq">
+                <p:childTnLst>
+                  <p:par>
+                    <p:cTn id="3" fill="hold">
+                      <p:stCondLst>
+                        <p:cond delay="indefinite"/>
+                        <p:cond evt="onBegin" delay="0">
+                          <p:tn val="2"/>
+                        </p:cond>
+                      </p:stCondLst>
+                      <p:childTnLst>
+                        <p:par>
+                          <p:cTn id="4" fill="hold">
+                            <p:stCondLst>
+                              <p:cond delay="0"/>
+                            </p:stCondLst>
+                            <p:childTnLst>
+                              <p:par>
+                                <p:cTn id="5" presetID="1" presetClass="mediacall" presetSubtype="0" fill="hold" nodeType="afterEffect">
+                                  <p:stCondLst>
+                                    <p:cond delay="0"/>
+                                  </p:stCondLst>
+                                  <p:childTnLst>
+                                    <p:cmd type="call" cmd="playFrom(0.0)">
+                                      <p:cBhvr>
+                                        <p:cTn id="6" dur="1" fill="hold"/>
+                                        <p:tgtEl>
+                                          <p:spTgt spid="5"/>
+                                        </p:tgtEl>
+                                      </p:cBhvr>
+                                    </p:cmd>
+                                  </p:childTnLst>
+                                </p:cTn>
+                              </p:par>
+                            </p:childTnLst>
+                          </p:cTn>
+                        </p:par>
+                      </p:childTnLst>
+                    </p:cTn>
+                  </p:par>
+                </p:childTnLst>
+              </p:cTn>
+              <p:prevCondLst>
+                <p:cond evt="onPrev" delay="0">
+                  <p:tgtEl>
+                    <p:sldTgt/>
+                  </p:tgtEl>
+                </p:cond>
+              </p:prevCondLst>
+              <p:nextCondLst>
+                <p:cond evt="onNext" delay="0">
+                  <p:tgtEl>
+                    <p:sldTgt/>
+                  </p:tgtEl>
+                </p:cond>
+              </p:nextCondLst>
+            </p:seq>
+            <p:audio>
+              <p:cMediaNode vol="80000" numSld="999" showWhenStopped="0">
+                <p:cTn id="7" repeatCount="indefinite" fill="hold" display="0">
+                  <p:stCondLst>
+                    <p:cond delay="indefinite"/>
+                  </p:stCondLst>
+                  <p:endCondLst>
+                    <p:cond evt="onStopAudio" delay="0">
+                      <p:tgtEl>
+                        <p:sldTgt/>
+                      </p:tgtEl>
+                    </p:cond>
+                  </p:endCondLst>
+                </p:cTn>
+                <p:tgtEl>
+                  <p:spTgt spid="5"/>
+                </p:tgtEl>
+              </p:cMediaNode>
+            </p:audio>
+          </p:childTnLst>
+        </p:cTn>
+      </p:par>
+    </p:tnLst>
+  </p:timing>
 </p:sld>
 </file>
 
 <file path=ppt/slides/slide2.xml><?xml version="1.0" encoding="utf-8"?>
+<p:sld xmlns:a="http://schemas.openxmlformats.org/drawingml/2006/main" xmlns:r="http://schemas.openxmlformats.org/officeDocument/2006/relationships" xmlns:p="http://schemas.openxmlformats.org/presentationml/2006/main">
+  <p:cSld>
+    <p:spTree>
+      <p:nvGrpSpPr>
+        <p:cNvPr id="1" name=""/>
+        <p:cNvGrpSpPr/>
+        <p:nvPr/>
+      </p:nvGrpSpPr>
+      <p:grpSpPr>
+        <a:xfrm>
+          <a:off x="0" y="0"/>
+          <a:ext cx="0" cy="0"/>
+          <a:chOff x="0" y="0"/>
+          <a:chExt cx="0" cy="0"/>
+        </a:xfrm>
+      </p:grpSpPr>
+    </p:spTree>
+    <p:custDataLst>
+      <p:tags r:id="rId1"/>
+    </p:custDataLst>
+    <p:extLst>
+      <p:ext uri="{BB962C8B-B14F-4D97-AF65-F5344CB8AC3E}">
+        <p14:creationId xmlns:p14="http://schemas.microsoft.com/office/powerpoint/2010/main" val="1652229105"/>
+      </p:ext>
+    </p:extLst>
+  </p:cSld>
+  <p:clrMapOvr>
+    <a:masterClrMapping/>
+  </p:clrMapOvr>
+  <mc:AlternateContent xmlns:mc="http://schemas.openxmlformats.org/markup-compatibility/2006" xmlns:p14="http://schemas.microsoft.com/office/powerpoint/2010/main">
+    <mc:Choice Requires="p14">
+      <p:transition spd="slow" p14:dur="2000" advTm="3503"/>
+    </mc:Choice>
+    <mc:Fallback xmlns="">
+      <p:transition spd="slow" advTm="3503"/>
+    </mc:Fallback>
+  </mc:AlternateContent>
+</p:sld>
+</file>
+
+<file path=ppt/slides/slide3.xml><?xml version="1.0" encoding="utf-8"?>
 <p:sld xmlns:a="http://schemas.openxmlformats.org/drawingml/2006/main" xmlns:r="http://schemas.openxmlformats.org/officeDocument/2006/relationships" xmlns:p="http://schemas.openxmlformats.org/presentationml/2006/main">
   <p:cSld>
     <p:spTree>
@@ -2171,6 +2576,12 @@
     <a:masterClrMapping/>
   </p:clrMapOvr>
 </p:sld>
+</file>
+
+<file path=ppt/tags/tag1.xml><?xml version="1.0" encoding="utf-8"?>
+<p:tagLst xmlns:a="http://schemas.openxmlformats.org/drawingml/2006/main" xmlns:r="http://schemas.openxmlformats.org/officeDocument/2006/relationships" xmlns:p="http://schemas.openxmlformats.org/presentationml/2006/main">
+  <p:tag name="TIMING" val="|1.2"/>
+</p:tagLst>
 </file>
 
 <file path=ppt/theme/theme1.xml><?xml version="1.0" encoding="utf-8"?>
